--- a/pruefungsleistung/DIS25_Pruefungsleistung1_TheGitGangTheory.pptx
+++ b/pruefungsleistung/DIS25_Pruefungsleistung1_TheGitGangTheory.pptx
@@ -6708,43 +6708,65 @@
         <p:spPr/>
         <p:txBody>
           <a:bodyPr>
-            <a:normAutofit fontScale="92500" lnSpcReduction="10000"/>
+            <a:normAutofit fontScale="85000" lnSpcReduction="20000"/>
           </a:bodyPr>
           <a:lstStyle/>
           <a:p>
             <a:r>
               <a:rPr lang="de-DE" b="1" dirty="0"/>
-              <a:t>Einleitung und Forschungsfrage</a:t>
+              <a:t>Einleitung und Forschungsfrage, Referenzen (Helga Wolf)</a:t>
             </a:r>
           </a:p>
           <a:p>
             <a:r>
               <a:rPr lang="de-DE" b="1" dirty="0"/>
-              <a:t>Datenset, Datenquelle</a:t>
-            </a:r>
-          </a:p>
-          <a:p>
+              <a:t>Datenset, Datenquelle (Vera </a:t>
+            </a:r>
+            <a:r>
+              <a:rPr lang="de-DE" b="1" dirty="0" err="1"/>
+              <a:t>Bateva</a:t>
+            </a:r>
             <a:r>
               <a:rPr lang="de-DE" b="1" dirty="0"/>
-              <a:t>Strukturelle Datenanalyse</a:t>
+              <a:t>)</a:t>
             </a:r>
           </a:p>
           <a:p>
             <a:r>
               <a:rPr lang="de-DE" b="1" dirty="0"/>
-              <a:t>Inhaltliche Datenanalyse</a:t>
-            </a:r>
-          </a:p>
-          <a:p>
+              <a:t>Strukturelle Datenanalyse (Vera </a:t>
+            </a:r>
+            <a:r>
+              <a:rPr lang="de-DE" b="1" dirty="0" err="1"/>
+              <a:t>Bateva</a:t>
+            </a:r>
             <a:r>
               <a:rPr lang="de-DE" b="1" dirty="0"/>
-              <a:t>Ergebnisse</a:t>
+              <a:t>)</a:t>
             </a:r>
           </a:p>
           <a:p>
             <a:r>
               <a:rPr lang="de-DE" b="1" dirty="0"/>
-              <a:t>Fazit und Ausblick</a:t>
+              <a:t>Inhaltliche Datenanalyse (Helga Wolf, Oliver Kubon)</a:t>
+            </a:r>
+          </a:p>
+          <a:p>
+            <a:r>
+              <a:rPr lang="de-DE" b="1" dirty="0"/>
+              <a:t>Auswertung und Ergebnisse (Janina Blum)</a:t>
+            </a:r>
+          </a:p>
+          <a:p>
+            <a:r>
+              <a:rPr lang="de-DE" b="1" dirty="0"/>
+              <a:t>Fazit und Ausblick (Team)</a:t>
+            </a:r>
+          </a:p>
+          <a:p>
+            <a:r>
+              <a:rPr lang="de-DE" b="1" dirty="0"/>
+              <a:t>Literaturverzeichnis (Team)</a:t>
             </a:r>
           </a:p>
           <a:p>
